--- a/template_lyrics_shift.pptx
+++ b/template_lyrics_shift.pptx
@@ -3506,65 +3506,91 @@
         <p:spPr bwMode="auto">
           <a:xfrm>
             <a:off x="457200" y="4076700"/>
-            <a:ext cx="5867400" cy="1200329"/>
+            <a:ext cx="5867400" cy="1447800"/>
           </a:xfrm>
           <a:prstGeom prst="rect">
             <a:avLst/>
           </a:prstGeom>
-          <a:solidFill>
-            <a:srgbClr val="777777"/>
-          </a:solidFill>
-          <a:ln w="19050">
+          <a:blipFill dpi="0" rotWithShape="1">
+            <a:blip r:embed="rId2"/>
+            <a:srcRect/>
+            <a:stretch>
+              <a:fillRect/>
+            </a:stretch>
+          </a:blipFill>
+          <a:ln w="28575">
             <a:solidFill>
               <a:schemeClr val="bg1"/>
             </a:solidFill>
-            <a:miter lim="800000"/>
-            <a:headEnd/>
-            <a:tailEnd/>
           </a:ln>
-          <a:effectLst>
-            <a:outerShdw dist="35921" dir="2700000" algn="ctr" rotWithShape="0">
-              <a:schemeClr val="tx1"/>
-            </a:outerShdw>
-          </a:effectLst>
-        </p:spPr>
-        <p:txBody>
-          <a:bodyPr wrap="square" anchor="ctr">
-            <a:spAutoFit/>
+        </p:spPr>
+        <p:txBody>
+          <a:bodyPr vert="horz" lIns="91440" tIns="45720" rIns="91440" bIns="45720" rtlCol="0" anchor="t" anchorCtr="0">
+            <a:normAutofit/>
           </a:bodyPr>
           <a:lstStyle>
             <a:defPPr>
               <a:defRPr lang="en-US"/>
             </a:defPPr>
-            <a:lvl1pPr algn="ctr">
-              <a:defRPr sz="3600" b="1">
-                <a:ln>
-                  <a:solidFill>
-                    <a:schemeClr val="bg1"/>
-                  </a:solidFill>
-                </a:ln>
+            <a:lvl1pPr algn="ctr" eaLnBrk="1" hangingPunct="1">
+              <a:lnSpc>
+                <a:spcPct val="90000"/>
+              </a:lnSpc>
+              <a:defRPr sz="4800" b="1">
                 <a:solidFill>
-                  <a:schemeClr val="bg1"/>
+                  <a:srgbClr val="333333"/>
                 </a:solidFill>
-                <a:effectLst>
-                  <a:outerShdw blurRad="38100" dist="63500" dir="2700000" algn="tl">
-                    <a:srgbClr val="000000"/>
-                  </a:outerShdw>
-                </a:effectLst>
-                <a:latin typeface="Verdana" panose="020B0604030504040204" pitchFamily="34" charset="0"/>
-                <a:ea typeface="Verdana" panose="020B0604030504040204" pitchFamily="34" charset="0"/>
-                <a:cs typeface="Verdana" panose="020B0604030504040204" pitchFamily="34" charset="0"/>
+                <a:latin typeface="CMG Sans Black" panose="00000A00000000000000" pitchFamily="2" charset="0"/>
+                <a:ea typeface="+mj-ea"/>
+                <a:cs typeface="+mj-cs"/>
               </a:defRPr>
             </a:lvl1pPr>
-          </a:lstStyle>
-          <a:p>
-            <a:r>
-              <a:rPr lang="en-US"/>
-              <a:t>Title</a:t>
-            </a:r>
-            <a:endParaRPr lang="en-US" dirty="0"/>
-          </a:p>
-          <a:p>
+            <a:lvl2pPr marL="457200" algn="ctr" eaLnBrk="0" hangingPunct="0">
+              <a:defRPr sz="4600" b="1">
+                <a:latin typeface="Arial Black" pitchFamily="34" charset="0"/>
+              </a:defRPr>
+            </a:lvl2pPr>
+            <a:lvl3pPr marL="914400" algn="ctr" eaLnBrk="0" hangingPunct="0">
+              <a:defRPr sz="4600" b="1">
+                <a:latin typeface="Arial Black" pitchFamily="34" charset="0"/>
+              </a:defRPr>
+            </a:lvl3pPr>
+            <a:lvl4pPr marL="1371600" algn="ctr" eaLnBrk="0" hangingPunct="0">
+              <a:defRPr sz="4600" b="1">
+                <a:latin typeface="Arial Black" pitchFamily="34" charset="0"/>
+              </a:defRPr>
+            </a:lvl4pPr>
+            <a:lvl5pPr marL="1828800" algn="ctr" eaLnBrk="0" hangingPunct="0">
+              <a:defRPr sz="4600" b="1">
+                <a:latin typeface="Arial Black" pitchFamily="34" charset="0"/>
+              </a:defRPr>
+            </a:lvl5pPr>
+            <a:lvl6pPr marL="2286000" defTabSz="914400">
+              <a:defRPr sz="4600" b="1">
+                <a:latin typeface="Arial Black" pitchFamily="34" charset="0"/>
+              </a:defRPr>
+            </a:lvl6pPr>
+            <a:lvl7pPr marL="2743200" defTabSz="914400">
+              <a:defRPr sz="4600" b="1">
+                <a:latin typeface="Arial Black" pitchFamily="34" charset="0"/>
+              </a:defRPr>
+            </a:lvl7pPr>
+            <a:lvl8pPr marL="3200400" defTabSz="914400">
+              <a:defRPr sz="4600" b="1">
+                <a:latin typeface="Arial Black" pitchFamily="34" charset="0"/>
+              </a:defRPr>
+            </a:lvl8pPr>
+            <a:lvl9pPr marL="3657600" defTabSz="914400">
+              <a:defRPr sz="4600" b="1">
+                <a:latin typeface="Arial Black" pitchFamily="34" charset="0"/>
+              </a:defRPr>
+            </a:lvl9pPr>
+          </a:lstStyle>
+          <a:p>
+            <a:r>
+              <a:rPr lang="en-US" dirty="0" err="1"/>
+              <a:t>Titleeeeeeeeeeeeeeeeeeeeeeeee</a:t>
+            </a:r>
             <a:endParaRPr lang="en-US" dirty="0"/>
           </a:p>
         </p:txBody>
@@ -3604,64 +3630,100 @@
         </p:nvSpPr>
         <p:spPr bwMode="auto">
           <a:xfrm>
-            <a:off x="457200" y="4117182"/>
-            <a:ext cx="5715000" cy="1077218"/>
+            <a:off x="457200" y="4400371"/>
+            <a:ext cx="5715000" cy="1200329"/>
           </a:xfrm>
           <a:prstGeom prst="rect">
             <a:avLst/>
           </a:prstGeom>
-          <a:solidFill>
-            <a:srgbClr val="777777"/>
-          </a:solidFill>
-          <a:ln w="19050">
+          <a:blipFill dpi="0" rotWithShape="1">
+            <a:blip r:embed="rId2"/>
+            <a:srcRect/>
+            <a:stretch>
+              <a:fillRect/>
+            </a:stretch>
+          </a:blipFill>
+          <a:ln w="28575">
             <a:solidFill>
               <a:schemeClr val="bg1"/>
             </a:solidFill>
-            <a:miter lim="800000"/>
-            <a:headEnd/>
-            <a:tailEnd/>
           </a:ln>
           <a:effectLst>
-            <a:outerShdw dist="35921" dir="2700000" algn="ctr" rotWithShape="0">
-              <a:schemeClr val="tx1"/>
+            <a:outerShdw blurRad="127000" dist="63500" dir="2700000" algn="tl" rotWithShape="0">
+              <a:prstClr val="black">
+                <a:alpha val="41000"/>
+              </a:prstClr>
             </a:outerShdw>
           </a:effectLst>
         </p:spPr>
         <p:txBody>
-          <a:bodyPr wrap="square">
+          <a:bodyPr vert="horz" lIns="91440" tIns="45720" rIns="91440" bIns="45720" rtlCol="0" anchor="b">
             <a:spAutoFit/>
           </a:bodyPr>
           <a:lstStyle>
             <a:defPPr>
               <a:defRPr lang="en-US"/>
             </a:defPPr>
-            <a:lvl1pPr algn="ctr">
-              <a:defRPr sz="3200" b="1">
-                <a:ln>
-                  <a:solidFill>
-                    <a:schemeClr val="bg1"/>
-                  </a:solidFill>
-                </a:ln>
+            <a:lvl1pPr algn="ctr" eaLnBrk="1" hangingPunct="1">
+              <a:lnSpc>
+                <a:spcPct val="90000"/>
+              </a:lnSpc>
+              <a:defRPr sz="4400" b="1" i="1">
                 <a:solidFill>
-                  <a:schemeClr val="bg1"/>
+                  <a:srgbClr val="333333"/>
                 </a:solidFill>
-                <a:effectLst>
-                  <a:outerShdw blurRad="38100" dist="63500" dir="2700000" algn="tl">
-                    <a:srgbClr val="000000"/>
-                  </a:outerShdw>
-                </a:effectLst>
-                <a:latin typeface="Verdana" panose="020B0604030504040204" pitchFamily="34" charset="0"/>
-                <a:ea typeface="Verdana" panose="020B0604030504040204" pitchFamily="34" charset="0"/>
-                <a:cs typeface="Verdana" panose="020B0604030504040204" pitchFamily="34" charset="0"/>
+                <a:latin typeface="Univers LT Std 45 Light" panose="020B0703030502020204" pitchFamily="34" charset="0"/>
+                <a:ea typeface="Roboto" panose="02000000000000000000" pitchFamily="2" charset="0"/>
+                <a:cs typeface="+mj-cs"/>
               </a:defRPr>
             </a:lvl1pPr>
-          </a:lstStyle>
-          <a:p>
-            <a:r>
-              <a:rPr lang="en-US" dirty="0" err="1"/>
-              <a:t>lyricsssssssssssssssssss</a:t>
-            </a:r>
-            <a:endParaRPr lang="en-US" dirty="0"/>
+            <a:lvl2pPr marL="457200" algn="ctr" eaLnBrk="0" hangingPunct="0">
+              <a:defRPr sz="4600" b="1">
+                <a:latin typeface="Arial Black" pitchFamily="34" charset="0"/>
+              </a:defRPr>
+            </a:lvl2pPr>
+            <a:lvl3pPr marL="914400" algn="ctr" eaLnBrk="0" hangingPunct="0">
+              <a:defRPr sz="4600" b="1">
+                <a:latin typeface="Arial Black" pitchFamily="34" charset="0"/>
+              </a:defRPr>
+            </a:lvl3pPr>
+            <a:lvl4pPr marL="1371600" algn="ctr" eaLnBrk="0" hangingPunct="0">
+              <a:defRPr sz="4600" b="1">
+                <a:latin typeface="Arial Black" pitchFamily="34" charset="0"/>
+              </a:defRPr>
+            </a:lvl4pPr>
+            <a:lvl5pPr marL="1828800" algn="ctr" eaLnBrk="0" hangingPunct="0">
+              <a:defRPr sz="4600" b="1">
+                <a:latin typeface="Arial Black" pitchFamily="34" charset="0"/>
+              </a:defRPr>
+            </a:lvl5pPr>
+            <a:lvl6pPr marL="2286000" defTabSz="914400">
+              <a:defRPr sz="4600" b="1">
+                <a:latin typeface="Arial Black" pitchFamily="34" charset="0"/>
+              </a:defRPr>
+            </a:lvl6pPr>
+            <a:lvl7pPr marL="2743200" defTabSz="914400">
+              <a:defRPr sz="4600" b="1">
+                <a:latin typeface="Arial Black" pitchFamily="34" charset="0"/>
+              </a:defRPr>
+            </a:lvl7pPr>
+            <a:lvl8pPr marL="3200400" defTabSz="914400">
+              <a:defRPr sz="4600" b="1">
+                <a:latin typeface="Arial Black" pitchFamily="34" charset="0"/>
+              </a:defRPr>
+            </a:lvl8pPr>
+            <a:lvl9pPr marL="3657600" defTabSz="914400">
+              <a:defRPr sz="4600" b="1">
+                <a:latin typeface="Arial Black" pitchFamily="34" charset="0"/>
+              </a:defRPr>
+            </a:lvl9pPr>
+          </a:lstStyle>
+          <a:p>
+            <a:r>
+              <a:rPr lang="en-US" sz="4000" dirty="0" err="1"/>
+              <a:t>lyricssssssssssssssssssssssssssssssssssssssssssssssssss</a:t>
+            </a:r>
+            <a:endParaRPr lang="en-US" sz="4000" dirty="0"/>
           </a:p>
         </p:txBody>
       </p:sp>
@@ -3700,62 +3762,98 @@
         </p:nvSpPr>
         <p:spPr bwMode="auto">
           <a:xfrm>
-            <a:off x="457200" y="4117182"/>
-            <a:ext cx="5715000" cy="1077218"/>
+            <a:off x="457200" y="4324171"/>
+            <a:ext cx="5715000" cy="1200329"/>
           </a:xfrm>
           <a:prstGeom prst="rect">
             <a:avLst/>
           </a:prstGeom>
-          <a:solidFill>
-            <a:srgbClr val="777777"/>
-          </a:solidFill>
-          <a:ln w="19050">
+          <a:blipFill dpi="0" rotWithShape="1">
+            <a:blip r:embed="rId2"/>
+            <a:srcRect/>
+            <a:stretch>
+              <a:fillRect/>
+            </a:stretch>
+          </a:blipFill>
+          <a:ln w="28575">
             <a:solidFill>
               <a:schemeClr val="bg1"/>
             </a:solidFill>
-            <a:miter lim="800000"/>
-            <a:headEnd/>
-            <a:tailEnd/>
           </a:ln>
           <a:effectLst>
-            <a:outerShdw dist="35921" dir="2700000" algn="ctr" rotWithShape="0">
-              <a:schemeClr val="tx1"/>
+            <a:outerShdw blurRad="127000" dist="63500" dir="2700000" algn="tl" rotWithShape="0">
+              <a:prstClr val="black">
+                <a:alpha val="41000"/>
+              </a:prstClr>
             </a:outerShdw>
           </a:effectLst>
         </p:spPr>
         <p:txBody>
-          <a:bodyPr wrap="square">
+          <a:bodyPr vert="horz" lIns="91440" tIns="45720" rIns="91440" bIns="45720" rtlCol="0" anchor="b">
             <a:spAutoFit/>
           </a:bodyPr>
           <a:lstStyle>
             <a:defPPr>
               <a:defRPr lang="en-US"/>
             </a:defPPr>
-            <a:lvl1pPr algn="ctr">
-              <a:defRPr sz="3200" b="1">
-                <a:ln>
-                  <a:solidFill>
-                    <a:schemeClr val="bg1"/>
-                  </a:solidFill>
-                </a:ln>
+            <a:lvl1pPr algn="ctr" eaLnBrk="1" hangingPunct="1">
+              <a:lnSpc>
+                <a:spcPct val="90000"/>
+              </a:lnSpc>
+              <a:defRPr sz="4000" b="1" i="1">
                 <a:solidFill>
-                  <a:schemeClr val="bg1"/>
+                  <a:srgbClr val="333333"/>
                 </a:solidFill>
-                <a:effectLst>
-                  <a:outerShdw blurRad="38100" dist="63500" dir="2700000" algn="tl">
-                    <a:srgbClr val="000000"/>
-                  </a:outerShdw>
-                </a:effectLst>
-                <a:latin typeface="Verdana" panose="020B0604030504040204" pitchFamily="34" charset="0"/>
-                <a:ea typeface="Verdana" panose="020B0604030504040204" pitchFamily="34" charset="0"/>
-                <a:cs typeface="Verdana" panose="020B0604030504040204" pitchFamily="34" charset="0"/>
+                <a:latin typeface="Univers LT Std 45 Light" panose="020B0703030502020204" pitchFamily="34" charset="0"/>
+                <a:ea typeface="Roboto" panose="02000000000000000000" pitchFamily="2" charset="0"/>
+                <a:cs typeface="+mj-cs"/>
               </a:defRPr>
             </a:lvl1pPr>
+            <a:lvl2pPr marL="457200" algn="ctr" eaLnBrk="0" hangingPunct="0">
+              <a:defRPr sz="4600" b="1">
+                <a:latin typeface="Arial Black" pitchFamily="34" charset="0"/>
+              </a:defRPr>
+            </a:lvl2pPr>
+            <a:lvl3pPr marL="914400" algn="ctr" eaLnBrk="0" hangingPunct="0">
+              <a:defRPr sz="4600" b="1">
+                <a:latin typeface="Arial Black" pitchFamily="34" charset="0"/>
+              </a:defRPr>
+            </a:lvl3pPr>
+            <a:lvl4pPr marL="1371600" algn="ctr" eaLnBrk="0" hangingPunct="0">
+              <a:defRPr sz="4600" b="1">
+                <a:latin typeface="Arial Black" pitchFamily="34" charset="0"/>
+              </a:defRPr>
+            </a:lvl4pPr>
+            <a:lvl5pPr marL="1828800" algn="ctr" eaLnBrk="0" hangingPunct="0">
+              <a:defRPr sz="4600" b="1">
+                <a:latin typeface="Arial Black" pitchFamily="34" charset="0"/>
+              </a:defRPr>
+            </a:lvl5pPr>
+            <a:lvl6pPr marL="2286000" defTabSz="914400">
+              <a:defRPr sz="4600" b="1">
+                <a:latin typeface="Arial Black" pitchFamily="34" charset="0"/>
+              </a:defRPr>
+            </a:lvl6pPr>
+            <a:lvl7pPr marL="2743200" defTabSz="914400">
+              <a:defRPr sz="4600" b="1">
+                <a:latin typeface="Arial Black" pitchFamily="34" charset="0"/>
+              </a:defRPr>
+            </a:lvl7pPr>
+            <a:lvl8pPr marL="3200400" defTabSz="914400">
+              <a:defRPr sz="4600" b="1">
+                <a:latin typeface="Arial Black" pitchFamily="34" charset="0"/>
+              </a:defRPr>
+            </a:lvl8pPr>
+            <a:lvl9pPr marL="3657600" defTabSz="914400">
+              <a:defRPr sz="4600" b="1">
+                <a:latin typeface="Arial Black" pitchFamily="34" charset="0"/>
+              </a:defRPr>
+            </a:lvl9pPr>
           </a:lstStyle>
           <a:p>
             <a:r>
               <a:rPr lang="en-US" dirty="0" err="1"/>
-              <a:t>lyricsendddddddddddddd</a:t>
+              <a:t>lyricsenddddddddddddddddddddddddddddddddd</a:t>
             </a:r>
             <a:r>
               <a:rPr lang="en-US" dirty="0"/>
@@ -3913,11 +4011,7 @@
               </a:spcBef>
             </a:pPr>
             <a:r>
-              <a:rPr lang="en-US" sz="1050" dirty="0">
-                <a:solidFill>
-                  <a:srgbClr val="FFFF00"/>
-                </a:solidFill>
-              </a:rPr>
+              <a:rPr lang="en-US" sz="1050" dirty="0"/>
               <a:t>end</a:t>
             </a:r>
           </a:p>

--- a/template_lyrics_shift.pptx
+++ b/template_lyrics_shift.pptx
@@ -7,7 +7,7 @@
   <p:sldIdLst>
     <p:sldId id="256" r:id="rId2"/>
     <p:sldId id="257" r:id="rId3"/>
-    <p:sldId id="275" r:id="rId4"/>
+    <p:sldId id="276" r:id="rId4"/>
   </p:sldIdLst>
   <p:sldSz cx="9144000" cy="5715000" type="screen16x10"/>
   <p:notesSz cx="6858000" cy="9144000"/>
@@ -3497,7 +3497,13 @@
       </p:grpSpPr>
       <p:sp>
         <p:nvSpPr>
-          <p:cNvPr id="2053" name="Text Box 5"/>
+          <p:cNvPr id="3" name="Text Box 2">
+            <a:extLst>
+              <a:ext uri="{FF2B5EF4-FFF2-40B4-BE49-F238E27FC236}">
+                <a16:creationId xmlns:a16="http://schemas.microsoft.com/office/drawing/2014/main" id="{C5C55194-C3D9-43F3-9660-785C3FBA7F45}"/>
+              </a:ext>
+            </a:extLst>
+          </p:cNvPr>
           <p:cNvSpPr txBox="1">
             <a:spLocks noChangeArrowheads="1"/>
           </p:cNvSpPr>
@@ -3505,93 +3511,146 @@
         </p:nvSpPr>
         <p:spPr bwMode="auto">
           <a:xfrm>
-            <a:off x="457200" y="4076700"/>
-            <a:ext cx="5867400" cy="1447800"/>
+            <a:off x="457200" y="4610100"/>
+            <a:ext cx="5867400" cy="1077218"/>
           </a:xfrm>
           <a:prstGeom prst="rect">
             <a:avLst/>
           </a:prstGeom>
-          <a:blipFill dpi="0" rotWithShape="1">
-            <a:blip r:embed="rId2"/>
-            <a:srcRect/>
-            <a:stretch>
-              <a:fillRect/>
-            </a:stretch>
-          </a:blipFill>
-          <a:ln w="28575">
+          <a:solidFill>
+            <a:schemeClr val="tx1">
+              <a:lumMod val="85000"/>
+              <a:lumOff val="15000"/>
+            </a:schemeClr>
+          </a:solidFill>
+          <a:ln w="19050">
             <a:solidFill>
               <a:schemeClr val="bg1"/>
             </a:solidFill>
+            <a:miter lim="800000"/>
+            <a:headEnd/>
+            <a:tailEnd/>
           </a:ln>
-        </p:spPr>
-        <p:txBody>
-          <a:bodyPr vert="horz" lIns="91440" tIns="45720" rIns="91440" bIns="45720" rtlCol="0" anchor="t" anchorCtr="0">
-            <a:normAutofit/>
+          <a:effectLst>
+            <a:outerShdw dist="35921" dir="2700000" algn="ctr" rotWithShape="0">
+              <a:schemeClr val="tx1"/>
+            </a:outerShdw>
+          </a:effectLst>
+        </p:spPr>
+        <p:txBody>
+          <a:bodyPr wrap="square">
+            <a:spAutoFit/>
           </a:bodyPr>
           <a:lstStyle>
             <a:defPPr>
               <a:defRPr lang="en-US"/>
             </a:defPPr>
             <a:lvl1pPr algn="ctr" eaLnBrk="1" hangingPunct="1">
-              <a:lnSpc>
-                <a:spcPct val="90000"/>
-              </a:lnSpc>
-              <a:defRPr sz="4800" b="1">
+              <a:buFontTx/>
+              <a:buNone/>
+              <a:defRPr sz="1600" b="0" u="sng">
                 <a:solidFill>
-                  <a:srgbClr val="333333"/>
+                  <a:srgbClr val="FFFF00"/>
                 </a:solidFill>
-                <a:latin typeface="CMG Sans Black" panose="00000A00000000000000" pitchFamily="2" charset="0"/>
-                <a:ea typeface="+mj-ea"/>
-                <a:cs typeface="+mj-cs"/>
+                <a:latin typeface="Open Sans Semibold" panose="020B0706030804020204" pitchFamily="34" charset="0"/>
+                <a:ea typeface="Open Sans Semibold" panose="020B0706030804020204" pitchFamily="34" charset="0"/>
+                <a:cs typeface="Open Sans Semibold" panose="020B0706030804020204" pitchFamily="34" charset="0"/>
               </a:defRPr>
             </a:lvl1pPr>
-            <a:lvl2pPr marL="457200" algn="ctr" eaLnBrk="0" hangingPunct="0">
-              <a:defRPr sz="4600" b="1">
-                <a:latin typeface="Arial Black" pitchFamily="34" charset="0"/>
+            <a:lvl2pPr marL="742950" indent="-285750" eaLnBrk="0" hangingPunct="0">
+              <a:spcBef>
+                <a:spcPct val="20000"/>
+              </a:spcBef>
+              <a:buChar char="–"/>
+              <a:defRPr sz="2800" b="1">
+                <a:latin typeface="Arial" panose="020B0604020202020204" pitchFamily="34" charset="0"/>
               </a:defRPr>
             </a:lvl2pPr>
-            <a:lvl3pPr marL="914400" algn="ctr" eaLnBrk="0" hangingPunct="0">
-              <a:defRPr sz="4600" b="1">
-                <a:latin typeface="Arial Black" pitchFamily="34" charset="0"/>
+            <a:lvl3pPr marL="1143000" indent="-228600" eaLnBrk="0" hangingPunct="0">
+              <a:spcBef>
+                <a:spcPct val="20000"/>
+              </a:spcBef>
+              <a:buChar char="•"/>
+              <a:defRPr sz="2400" b="1">
+                <a:latin typeface="Arial" panose="020B0604020202020204" pitchFamily="34" charset="0"/>
               </a:defRPr>
             </a:lvl3pPr>
-            <a:lvl4pPr marL="1371600" algn="ctr" eaLnBrk="0" hangingPunct="0">
-              <a:defRPr sz="4600" b="1">
-                <a:latin typeface="Arial Black" pitchFamily="34" charset="0"/>
+            <a:lvl4pPr marL="1600200" indent="-228600" eaLnBrk="0" hangingPunct="0">
+              <a:spcBef>
+                <a:spcPct val="20000"/>
+              </a:spcBef>
+              <a:buChar char="–"/>
+              <a:defRPr sz="2000" b="1">
+                <a:latin typeface="Arial" panose="020B0604020202020204" pitchFamily="34" charset="0"/>
               </a:defRPr>
             </a:lvl4pPr>
-            <a:lvl5pPr marL="1828800" algn="ctr" eaLnBrk="0" hangingPunct="0">
-              <a:defRPr sz="4600" b="1">
-                <a:latin typeface="Arial Black" pitchFamily="34" charset="0"/>
+            <a:lvl5pPr marL="2057400" indent="-228600" eaLnBrk="0" hangingPunct="0">
+              <a:spcBef>
+                <a:spcPct val="20000"/>
+              </a:spcBef>
+              <a:buChar char="»"/>
+              <a:defRPr sz="2000" b="1">
+                <a:latin typeface="Arial" panose="020B0604020202020204" pitchFamily="34" charset="0"/>
               </a:defRPr>
             </a:lvl5pPr>
-            <a:lvl6pPr marL="2286000" defTabSz="914400">
-              <a:defRPr sz="4600" b="1">
-                <a:latin typeface="Arial Black" pitchFamily="34" charset="0"/>
+            <a:lvl6pPr marL="2514600" indent="-228600" defTabSz="914400" eaLnBrk="0" fontAlgn="base" hangingPunct="0">
+              <a:spcBef>
+                <a:spcPct val="20000"/>
+              </a:spcBef>
+              <a:spcAft>
+                <a:spcPct val="0"/>
+              </a:spcAft>
+              <a:buChar char="»"/>
+              <a:defRPr sz="2000" b="1">
+                <a:latin typeface="Arial" panose="020B0604020202020204" pitchFamily="34" charset="0"/>
               </a:defRPr>
             </a:lvl6pPr>
-            <a:lvl7pPr marL="2743200" defTabSz="914400">
-              <a:defRPr sz="4600" b="1">
-                <a:latin typeface="Arial Black" pitchFamily="34" charset="0"/>
+            <a:lvl7pPr marL="2971800" indent="-228600" defTabSz="914400" eaLnBrk="0" fontAlgn="base" hangingPunct="0">
+              <a:spcBef>
+                <a:spcPct val="20000"/>
+              </a:spcBef>
+              <a:spcAft>
+                <a:spcPct val="0"/>
+              </a:spcAft>
+              <a:buChar char="»"/>
+              <a:defRPr sz="2000" b="1">
+                <a:latin typeface="Arial" panose="020B0604020202020204" pitchFamily="34" charset="0"/>
               </a:defRPr>
             </a:lvl7pPr>
-            <a:lvl8pPr marL="3200400" defTabSz="914400">
-              <a:defRPr sz="4600" b="1">
-                <a:latin typeface="Arial Black" pitchFamily="34" charset="0"/>
+            <a:lvl8pPr marL="3429000" indent="-228600" defTabSz="914400" eaLnBrk="0" fontAlgn="base" hangingPunct="0">
+              <a:spcBef>
+                <a:spcPct val="20000"/>
+              </a:spcBef>
+              <a:spcAft>
+                <a:spcPct val="0"/>
+              </a:spcAft>
+              <a:buChar char="»"/>
+              <a:defRPr sz="2000" b="1">
+                <a:latin typeface="Arial" panose="020B0604020202020204" pitchFamily="34" charset="0"/>
               </a:defRPr>
             </a:lvl8pPr>
-            <a:lvl9pPr marL="3657600" defTabSz="914400">
-              <a:defRPr sz="4600" b="1">
-                <a:latin typeface="Arial Black" pitchFamily="34" charset="0"/>
+            <a:lvl9pPr marL="3886200" indent="-228600" defTabSz="914400" eaLnBrk="0" fontAlgn="base" hangingPunct="0">
+              <a:spcBef>
+                <a:spcPct val="20000"/>
+              </a:spcBef>
+              <a:spcAft>
+                <a:spcPct val="0"/>
+              </a:spcAft>
+              <a:buChar char="»"/>
+              <a:defRPr sz="2000" b="1">
+                <a:latin typeface="Arial" panose="020B0604020202020204" pitchFamily="34" charset="0"/>
               </a:defRPr>
             </a:lvl9pPr>
           </a:lstStyle>
           <a:p>
             <a:r>
-              <a:rPr lang="en-US" dirty="0" err="1"/>
-              <a:t>Titleeeeeeeeeeeeeeeeeeeeeeeee</a:t>
-            </a:r>
-            <a:endParaRPr lang="en-US" dirty="0"/>
+              <a:rPr lang="en-US" sz="3200" u="none" dirty="0">
+                <a:solidFill>
+                  <a:schemeClr val="bg1"/>
+                </a:solidFill>
+              </a:rPr>
+              <a:t>TITLLEEEEEEEEEEEEEEEEEEEEEEEEEEEEEEEEEEEEEEEEEEEE</a:t>
+            </a:r>
           </a:p>
         </p:txBody>
       </p:sp>
@@ -3622,7 +3681,13 @@
       </p:grpSpPr>
       <p:sp>
         <p:nvSpPr>
-          <p:cNvPr id="63490" name="Text Box 2"/>
+          <p:cNvPr id="3" name="Text Box 2">
+            <a:extLst>
+              <a:ext uri="{FF2B5EF4-FFF2-40B4-BE49-F238E27FC236}">
+                <a16:creationId xmlns:a16="http://schemas.microsoft.com/office/drawing/2014/main" id="{8A5193BB-0E34-47FF-9F66-924AD1926FBA}"/>
+              </a:ext>
+            </a:extLst>
+          </p:cNvPr>
           <p:cNvSpPr txBox="1">
             <a:spLocks noChangeArrowheads="1"/>
           </p:cNvSpPr>
@@ -3630,34 +3695,34 @@
         </p:nvSpPr>
         <p:spPr bwMode="auto">
           <a:xfrm>
-            <a:off x="457200" y="4400371"/>
-            <a:ext cx="5715000" cy="1200329"/>
+            <a:off x="457200" y="4523482"/>
+            <a:ext cx="5943600" cy="1077218"/>
           </a:xfrm>
           <a:prstGeom prst="rect">
             <a:avLst/>
           </a:prstGeom>
-          <a:blipFill dpi="0" rotWithShape="1">
-            <a:blip r:embed="rId2"/>
-            <a:srcRect/>
-            <a:stretch>
-              <a:fillRect/>
-            </a:stretch>
-          </a:blipFill>
-          <a:ln w="28575">
+          <a:solidFill>
+            <a:schemeClr val="tx1">
+              <a:lumMod val="85000"/>
+              <a:lumOff val="15000"/>
+            </a:schemeClr>
+          </a:solidFill>
+          <a:ln w="19050">
             <a:solidFill>
               <a:schemeClr val="bg1"/>
             </a:solidFill>
+            <a:miter lim="800000"/>
+            <a:headEnd/>
+            <a:tailEnd/>
           </a:ln>
           <a:effectLst>
-            <a:outerShdw blurRad="127000" dist="63500" dir="2700000" algn="tl" rotWithShape="0">
-              <a:prstClr val="black">
-                <a:alpha val="41000"/>
-              </a:prstClr>
+            <a:outerShdw dist="35921" dir="2700000" algn="ctr" rotWithShape="0">
+              <a:schemeClr val="tx1"/>
             </a:outerShdw>
           </a:effectLst>
         </p:spPr>
         <p:txBody>
-          <a:bodyPr vert="horz" lIns="91440" tIns="45720" rIns="91440" bIns="45720" rtlCol="0" anchor="b">
+          <a:bodyPr wrap="square">
             <a:spAutoFit/>
           </a:bodyPr>
           <a:lstStyle>
@@ -3665,65 +3730,116 @@
               <a:defRPr lang="en-US"/>
             </a:defPPr>
             <a:lvl1pPr algn="ctr" eaLnBrk="1" hangingPunct="1">
-              <a:lnSpc>
-                <a:spcPct val="90000"/>
-              </a:lnSpc>
-              <a:defRPr sz="4400" b="1" i="1">
+              <a:buFontTx/>
+              <a:buNone/>
+              <a:defRPr sz="3200" b="0" u="none">
                 <a:solidFill>
-                  <a:srgbClr val="333333"/>
+                  <a:srgbClr val="FFFF00"/>
                 </a:solidFill>
-                <a:latin typeface="Univers LT Std 45 Light" panose="020B0703030502020204" pitchFamily="34" charset="0"/>
-                <a:ea typeface="Roboto" panose="02000000000000000000" pitchFamily="2" charset="0"/>
-                <a:cs typeface="+mj-cs"/>
+                <a:latin typeface="Open Sans Semibold" panose="020B0706030804020204" pitchFamily="34" charset="0"/>
+                <a:ea typeface="Open Sans Semibold" panose="020B0706030804020204" pitchFamily="34" charset="0"/>
+                <a:cs typeface="Open Sans Semibold" panose="020B0706030804020204" pitchFamily="34" charset="0"/>
               </a:defRPr>
             </a:lvl1pPr>
-            <a:lvl2pPr marL="457200" algn="ctr" eaLnBrk="0" hangingPunct="0">
-              <a:defRPr sz="4600" b="1">
-                <a:latin typeface="Arial Black" pitchFamily="34" charset="0"/>
+            <a:lvl2pPr marL="742950" indent="-285750" eaLnBrk="0" hangingPunct="0">
+              <a:spcBef>
+                <a:spcPct val="20000"/>
+              </a:spcBef>
+              <a:buChar char="–"/>
+              <a:defRPr sz="2800" b="1">
+                <a:latin typeface="Arial" panose="020B0604020202020204" pitchFamily="34" charset="0"/>
               </a:defRPr>
             </a:lvl2pPr>
-            <a:lvl3pPr marL="914400" algn="ctr" eaLnBrk="0" hangingPunct="0">
-              <a:defRPr sz="4600" b="1">
-                <a:latin typeface="Arial Black" pitchFamily="34" charset="0"/>
+            <a:lvl3pPr marL="1143000" indent="-228600" eaLnBrk="0" hangingPunct="0">
+              <a:spcBef>
+                <a:spcPct val="20000"/>
+              </a:spcBef>
+              <a:buChar char="•"/>
+              <a:defRPr sz="2400" b="1">
+                <a:latin typeface="Arial" panose="020B0604020202020204" pitchFamily="34" charset="0"/>
               </a:defRPr>
             </a:lvl3pPr>
-            <a:lvl4pPr marL="1371600" algn="ctr" eaLnBrk="0" hangingPunct="0">
-              <a:defRPr sz="4600" b="1">
-                <a:latin typeface="Arial Black" pitchFamily="34" charset="0"/>
+            <a:lvl4pPr marL="1600200" indent="-228600" eaLnBrk="0" hangingPunct="0">
+              <a:spcBef>
+                <a:spcPct val="20000"/>
+              </a:spcBef>
+              <a:buChar char="–"/>
+              <a:defRPr sz="2000" b="1">
+                <a:latin typeface="Arial" panose="020B0604020202020204" pitchFamily="34" charset="0"/>
               </a:defRPr>
             </a:lvl4pPr>
-            <a:lvl5pPr marL="1828800" algn="ctr" eaLnBrk="0" hangingPunct="0">
-              <a:defRPr sz="4600" b="1">
-                <a:latin typeface="Arial Black" pitchFamily="34" charset="0"/>
+            <a:lvl5pPr marL="2057400" indent="-228600" eaLnBrk="0" hangingPunct="0">
+              <a:spcBef>
+                <a:spcPct val="20000"/>
+              </a:spcBef>
+              <a:buChar char="»"/>
+              <a:defRPr sz="2000" b="1">
+                <a:latin typeface="Arial" panose="020B0604020202020204" pitchFamily="34" charset="0"/>
               </a:defRPr>
             </a:lvl5pPr>
-            <a:lvl6pPr marL="2286000" defTabSz="914400">
-              <a:defRPr sz="4600" b="1">
-                <a:latin typeface="Arial Black" pitchFamily="34" charset="0"/>
+            <a:lvl6pPr marL="2514600" indent="-228600" defTabSz="914400" eaLnBrk="0" fontAlgn="base" hangingPunct="0">
+              <a:spcBef>
+                <a:spcPct val="20000"/>
+              </a:spcBef>
+              <a:spcAft>
+                <a:spcPct val="0"/>
+              </a:spcAft>
+              <a:buChar char="»"/>
+              <a:defRPr sz="2000" b="1">
+                <a:latin typeface="Arial" panose="020B0604020202020204" pitchFamily="34" charset="0"/>
               </a:defRPr>
             </a:lvl6pPr>
-            <a:lvl7pPr marL="2743200" defTabSz="914400">
-              <a:defRPr sz="4600" b="1">
-                <a:latin typeface="Arial Black" pitchFamily="34" charset="0"/>
+            <a:lvl7pPr marL="2971800" indent="-228600" defTabSz="914400" eaLnBrk="0" fontAlgn="base" hangingPunct="0">
+              <a:spcBef>
+                <a:spcPct val="20000"/>
+              </a:spcBef>
+              <a:spcAft>
+                <a:spcPct val="0"/>
+              </a:spcAft>
+              <a:buChar char="»"/>
+              <a:defRPr sz="2000" b="1">
+                <a:latin typeface="Arial" panose="020B0604020202020204" pitchFamily="34" charset="0"/>
               </a:defRPr>
             </a:lvl7pPr>
-            <a:lvl8pPr marL="3200400" defTabSz="914400">
-              <a:defRPr sz="4600" b="1">
-                <a:latin typeface="Arial Black" pitchFamily="34" charset="0"/>
+            <a:lvl8pPr marL="3429000" indent="-228600" defTabSz="914400" eaLnBrk="0" fontAlgn="base" hangingPunct="0">
+              <a:spcBef>
+                <a:spcPct val="20000"/>
+              </a:spcBef>
+              <a:spcAft>
+                <a:spcPct val="0"/>
+              </a:spcAft>
+              <a:buChar char="»"/>
+              <a:defRPr sz="2000" b="1">
+                <a:latin typeface="Arial" panose="020B0604020202020204" pitchFamily="34" charset="0"/>
               </a:defRPr>
             </a:lvl8pPr>
-            <a:lvl9pPr marL="3657600" defTabSz="914400">
-              <a:defRPr sz="4600" b="1">
-                <a:latin typeface="Arial Black" pitchFamily="34" charset="0"/>
+            <a:lvl9pPr marL="3886200" indent="-228600" defTabSz="914400" eaLnBrk="0" fontAlgn="base" hangingPunct="0">
+              <a:spcBef>
+                <a:spcPct val="20000"/>
+              </a:spcBef>
+              <a:spcAft>
+                <a:spcPct val="0"/>
+              </a:spcAft>
+              <a:buChar char="»"/>
+              <a:defRPr sz="2000" b="1">
+                <a:latin typeface="Arial" panose="020B0604020202020204" pitchFamily="34" charset="0"/>
               </a:defRPr>
             </a:lvl9pPr>
           </a:lstStyle>
           <a:p>
             <a:r>
-              <a:rPr lang="en-US" sz="4000" dirty="0" err="1"/>
-              <a:t>lyricssssssssssssssssssssssssssssssssssssssssssssssssss</a:t>
-            </a:r>
-            <a:endParaRPr lang="en-US" sz="4000" dirty="0"/>
+              <a:rPr lang="en-US" dirty="0" err="1">
+                <a:solidFill>
+                  <a:schemeClr val="bg1"/>
+                </a:solidFill>
+              </a:rPr>
+              <a:t>Lyricssssssssssssssssssssssssssssssssssssssssssssssssssss</a:t>
+            </a:r>
+            <a:endParaRPr lang="en-US" dirty="0">
+              <a:solidFill>
+                <a:schemeClr val="bg1"/>
+              </a:solidFill>
+            </a:endParaRPr>
           </a:p>
         </p:txBody>
       </p:sp>
@@ -3754,7 +3870,13 @@
       </p:grpSpPr>
       <p:sp>
         <p:nvSpPr>
-          <p:cNvPr id="680962" name="Text Box 2"/>
+          <p:cNvPr id="3" name="Text Box 2">
+            <a:extLst>
+              <a:ext uri="{FF2B5EF4-FFF2-40B4-BE49-F238E27FC236}">
+                <a16:creationId xmlns:a16="http://schemas.microsoft.com/office/drawing/2014/main" id="{8A5193BB-0E34-47FF-9F66-924AD1926FBA}"/>
+              </a:ext>
+            </a:extLst>
+          </p:cNvPr>
           <p:cNvSpPr txBox="1">
             <a:spLocks noChangeArrowheads="1"/>
           </p:cNvSpPr>
@@ -3762,34 +3884,34 @@
         </p:nvSpPr>
         <p:spPr bwMode="auto">
           <a:xfrm>
-            <a:off x="457200" y="4324171"/>
-            <a:ext cx="5715000" cy="1200329"/>
+            <a:off x="457200" y="4523482"/>
+            <a:ext cx="5943600" cy="1077218"/>
           </a:xfrm>
           <a:prstGeom prst="rect">
             <a:avLst/>
           </a:prstGeom>
-          <a:blipFill dpi="0" rotWithShape="1">
-            <a:blip r:embed="rId2"/>
-            <a:srcRect/>
-            <a:stretch>
-              <a:fillRect/>
-            </a:stretch>
-          </a:blipFill>
-          <a:ln w="28575">
+          <a:solidFill>
+            <a:schemeClr val="tx1">
+              <a:lumMod val="85000"/>
+              <a:lumOff val="15000"/>
+            </a:schemeClr>
+          </a:solidFill>
+          <a:ln w="19050">
             <a:solidFill>
               <a:schemeClr val="bg1"/>
             </a:solidFill>
+            <a:miter lim="800000"/>
+            <a:headEnd/>
+            <a:tailEnd/>
           </a:ln>
           <a:effectLst>
-            <a:outerShdw blurRad="127000" dist="63500" dir="2700000" algn="tl" rotWithShape="0">
-              <a:prstClr val="black">
-                <a:alpha val="41000"/>
-              </a:prstClr>
+            <a:outerShdw dist="35921" dir="2700000" algn="ctr" rotWithShape="0">
+              <a:schemeClr val="tx1"/>
             </a:outerShdw>
           </a:effectLst>
         </p:spPr>
         <p:txBody>
-          <a:bodyPr vert="horz" lIns="91440" tIns="45720" rIns="91440" bIns="45720" rtlCol="0" anchor="b">
+          <a:bodyPr wrap="square">
             <a:spAutoFit/>
           </a:bodyPr>
           <a:lstStyle>
@@ -3797,74 +3919,131 @@
               <a:defRPr lang="en-US"/>
             </a:defPPr>
             <a:lvl1pPr algn="ctr" eaLnBrk="1" hangingPunct="1">
-              <a:lnSpc>
-                <a:spcPct val="90000"/>
-              </a:lnSpc>
-              <a:defRPr sz="4000" b="1" i="1">
+              <a:buFontTx/>
+              <a:buNone/>
+              <a:defRPr sz="3200" b="0" u="none">
                 <a:solidFill>
-                  <a:srgbClr val="333333"/>
+                  <a:srgbClr val="FFFF00"/>
                 </a:solidFill>
-                <a:latin typeface="Univers LT Std 45 Light" panose="020B0703030502020204" pitchFamily="34" charset="0"/>
-                <a:ea typeface="Roboto" panose="02000000000000000000" pitchFamily="2" charset="0"/>
-                <a:cs typeface="+mj-cs"/>
+                <a:latin typeface="Open Sans Semibold" panose="020B0706030804020204" pitchFamily="34" charset="0"/>
+                <a:ea typeface="Open Sans Semibold" panose="020B0706030804020204" pitchFamily="34" charset="0"/>
+                <a:cs typeface="Open Sans Semibold" panose="020B0706030804020204" pitchFamily="34" charset="0"/>
               </a:defRPr>
             </a:lvl1pPr>
-            <a:lvl2pPr marL="457200" algn="ctr" eaLnBrk="0" hangingPunct="0">
-              <a:defRPr sz="4600" b="1">
-                <a:latin typeface="Arial Black" pitchFamily="34" charset="0"/>
+            <a:lvl2pPr marL="742950" indent="-285750" eaLnBrk="0" hangingPunct="0">
+              <a:spcBef>
+                <a:spcPct val="20000"/>
+              </a:spcBef>
+              <a:buChar char="–"/>
+              <a:defRPr sz="2800" b="1">
+                <a:latin typeface="Arial" panose="020B0604020202020204" pitchFamily="34" charset="0"/>
               </a:defRPr>
             </a:lvl2pPr>
-            <a:lvl3pPr marL="914400" algn="ctr" eaLnBrk="0" hangingPunct="0">
-              <a:defRPr sz="4600" b="1">
-                <a:latin typeface="Arial Black" pitchFamily="34" charset="0"/>
+            <a:lvl3pPr marL="1143000" indent="-228600" eaLnBrk="0" hangingPunct="0">
+              <a:spcBef>
+                <a:spcPct val="20000"/>
+              </a:spcBef>
+              <a:buChar char="•"/>
+              <a:defRPr sz="2400" b="1">
+                <a:latin typeface="Arial" panose="020B0604020202020204" pitchFamily="34" charset="0"/>
               </a:defRPr>
             </a:lvl3pPr>
-            <a:lvl4pPr marL="1371600" algn="ctr" eaLnBrk="0" hangingPunct="0">
-              <a:defRPr sz="4600" b="1">
-                <a:latin typeface="Arial Black" pitchFamily="34" charset="0"/>
+            <a:lvl4pPr marL="1600200" indent="-228600" eaLnBrk="0" hangingPunct="0">
+              <a:spcBef>
+                <a:spcPct val="20000"/>
+              </a:spcBef>
+              <a:buChar char="–"/>
+              <a:defRPr sz="2000" b="1">
+                <a:latin typeface="Arial" panose="020B0604020202020204" pitchFamily="34" charset="0"/>
               </a:defRPr>
             </a:lvl4pPr>
-            <a:lvl5pPr marL="1828800" algn="ctr" eaLnBrk="0" hangingPunct="0">
-              <a:defRPr sz="4600" b="1">
-                <a:latin typeface="Arial Black" pitchFamily="34" charset="0"/>
+            <a:lvl5pPr marL="2057400" indent="-228600" eaLnBrk="0" hangingPunct="0">
+              <a:spcBef>
+                <a:spcPct val="20000"/>
+              </a:spcBef>
+              <a:buChar char="»"/>
+              <a:defRPr sz="2000" b="1">
+                <a:latin typeface="Arial" panose="020B0604020202020204" pitchFamily="34" charset="0"/>
               </a:defRPr>
             </a:lvl5pPr>
-            <a:lvl6pPr marL="2286000" defTabSz="914400">
-              <a:defRPr sz="4600" b="1">
-                <a:latin typeface="Arial Black" pitchFamily="34" charset="0"/>
+            <a:lvl6pPr marL="2514600" indent="-228600" defTabSz="914400" eaLnBrk="0" fontAlgn="base" hangingPunct="0">
+              <a:spcBef>
+                <a:spcPct val="20000"/>
+              </a:spcBef>
+              <a:spcAft>
+                <a:spcPct val="0"/>
+              </a:spcAft>
+              <a:buChar char="»"/>
+              <a:defRPr sz="2000" b="1">
+                <a:latin typeface="Arial" panose="020B0604020202020204" pitchFamily="34" charset="0"/>
               </a:defRPr>
             </a:lvl6pPr>
-            <a:lvl7pPr marL="2743200" defTabSz="914400">
-              <a:defRPr sz="4600" b="1">
-                <a:latin typeface="Arial Black" pitchFamily="34" charset="0"/>
+            <a:lvl7pPr marL="2971800" indent="-228600" defTabSz="914400" eaLnBrk="0" fontAlgn="base" hangingPunct="0">
+              <a:spcBef>
+                <a:spcPct val="20000"/>
+              </a:spcBef>
+              <a:spcAft>
+                <a:spcPct val="0"/>
+              </a:spcAft>
+              <a:buChar char="»"/>
+              <a:defRPr sz="2000" b="1">
+                <a:latin typeface="Arial" panose="020B0604020202020204" pitchFamily="34" charset="0"/>
               </a:defRPr>
             </a:lvl7pPr>
-            <a:lvl8pPr marL="3200400" defTabSz="914400">
-              <a:defRPr sz="4600" b="1">
-                <a:latin typeface="Arial Black" pitchFamily="34" charset="0"/>
+            <a:lvl8pPr marL="3429000" indent="-228600" defTabSz="914400" eaLnBrk="0" fontAlgn="base" hangingPunct="0">
+              <a:spcBef>
+                <a:spcPct val="20000"/>
+              </a:spcBef>
+              <a:spcAft>
+                <a:spcPct val="0"/>
+              </a:spcAft>
+              <a:buChar char="»"/>
+              <a:defRPr sz="2000" b="1">
+                <a:latin typeface="Arial" panose="020B0604020202020204" pitchFamily="34" charset="0"/>
               </a:defRPr>
             </a:lvl8pPr>
-            <a:lvl9pPr marL="3657600" defTabSz="914400">
-              <a:defRPr sz="4600" b="1">
-                <a:latin typeface="Arial Black" pitchFamily="34" charset="0"/>
+            <a:lvl9pPr marL="3886200" indent="-228600" defTabSz="914400" eaLnBrk="0" fontAlgn="base" hangingPunct="0">
+              <a:spcBef>
+                <a:spcPct val="20000"/>
+              </a:spcBef>
+              <a:spcAft>
+                <a:spcPct val="0"/>
+              </a:spcAft>
+              <a:buChar char="»"/>
+              <a:defRPr sz="2000" b="1">
+                <a:latin typeface="Arial" panose="020B0604020202020204" pitchFamily="34" charset="0"/>
               </a:defRPr>
             </a:lvl9pPr>
           </a:lstStyle>
           <a:p>
             <a:r>
-              <a:rPr lang="en-US" dirty="0" err="1"/>
-              <a:t>lyricsenddddddddddddddddddddddddddddddddd</a:t>
-            </a:r>
-            <a:r>
-              <a:rPr lang="en-US" dirty="0"/>
-              <a:t>. </a:t>
-            </a:r>
-          </a:p>
-        </p:txBody>
-      </p:sp>
-      <p:sp>
-        <p:nvSpPr>
-          <p:cNvPr id="20483" name="Text Box 3"/>
+              <a:rPr lang="en-US" dirty="0" err="1">
+                <a:solidFill>
+                  <a:schemeClr val="bg1"/>
+                </a:solidFill>
+              </a:rPr>
+              <a:t>Lyricsssseeeennnnnnnnnnddddddddddddddd</a:t>
+            </a:r>
+            <a:r>
+              <a:rPr lang="en-US" dirty="0">
+                <a:solidFill>
+                  <a:schemeClr val="bg1"/>
+                </a:solidFill>
+              </a:rPr>
+              <a:t>.</a:t>
+            </a:r>
+          </a:p>
+        </p:txBody>
+      </p:sp>
+      <p:sp>
+        <p:nvSpPr>
+          <p:cNvPr id="5" name="Text Box 3">
+            <a:extLst>
+              <a:ext uri="{FF2B5EF4-FFF2-40B4-BE49-F238E27FC236}">
+                <a16:creationId xmlns:a16="http://schemas.microsoft.com/office/drawing/2014/main" id="{7E721963-D6EB-4700-8287-31747E881320}"/>
+              </a:ext>
+            </a:extLst>
+          </p:cNvPr>
           <p:cNvSpPr txBox="1">
             <a:spLocks noChangeArrowheads="1"/>
           </p:cNvSpPr>
@@ -3872,7 +4051,7 @@
         </p:nvSpPr>
         <p:spPr bwMode="auto">
           <a:xfrm>
-            <a:off x="5829300" y="5114835"/>
+            <a:off x="5962207" y="5305140"/>
             <a:ext cx="419100" cy="253916"/>
           </a:xfrm>
           <a:prstGeom prst="rect">
@@ -4011,13 +4190,22 @@
               </a:spcBef>
             </a:pPr>
             <a:r>
-              <a:rPr lang="en-US" sz="1050" dirty="0"/>
+              <a:rPr lang="en-US" sz="1050" dirty="0">
+                <a:solidFill>
+                  <a:schemeClr val="bg1"/>
+                </a:solidFill>
+              </a:rPr>
               <a:t>end</a:t>
             </a:r>
           </a:p>
         </p:txBody>
       </p:sp>
     </p:spTree>
+    <p:extLst>
+      <p:ext uri="{BB962C8B-B14F-4D97-AF65-F5344CB8AC3E}">
+        <p14:creationId xmlns:p14="http://schemas.microsoft.com/office/powerpoint/2010/main" val="586317846"/>
+      </p:ext>
+    </p:extLst>
   </p:cSld>
   <p:clrMapOvr>
     <a:masterClrMapping/>
